--- a/Data/pictures.pptx
+++ b/Data/pictures.pptx
@@ -105,6 +105,11 @@
       </a:defRPr>
     </a:lvl9pPr>
   </p:defaultTextStyle>
+  <p:extLst>
+    <p:ext uri="{EFAFB233-063F-42B5-8137-9DF3F51BA10A}">
+      <p15:sldGuideLst xmlns:p15="http://schemas.microsoft.com/office/powerpoint/2012/main"/>
+    </p:ext>
+  </p:extLst>
 </p:presentation>
 </file>
 
@@ -239,7 +244,7 @@
           <a:p>
             <a:fld id="{69D71EF5-8E3D-4DAC-9D4F-EE4C2F383964}" type="datetimeFigureOut">
               <a:rPr lang="zh-CN" altLang="en-US" smtClean="0"/>
-              <a:t>2020/8/10 Monday</a:t>
+              <a:t>2020/8/11 Tuesday</a:t>
             </a:fld>
             <a:endParaRPr lang="zh-CN" altLang="en-US"/>
           </a:p>
@@ -409,7 +414,7 @@
           <a:p>
             <a:fld id="{69D71EF5-8E3D-4DAC-9D4F-EE4C2F383964}" type="datetimeFigureOut">
               <a:rPr lang="zh-CN" altLang="en-US" smtClean="0"/>
-              <a:t>2020/8/10 Monday</a:t>
+              <a:t>2020/8/11 Tuesday</a:t>
             </a:fld>
             <a:endParaRPr lang="zh-CN" altLang="en-US"/>
           </a:p>
@@ -589,7 +594,7 @@
           <a:p>
             <a:fld id="{69D71EF5-8E3D-4DAC-9D4F-EE4C2F383964}" type="datetimeFigureOut">
               <a:rPr lang="zh-CN" altLang="en-US" smtClean="0"/>
-              <a:t>2020/8/10 Monday</a:t>
+              <a:t>2020/8/11 Tuesday</a:t>
             </a:fld>
             <a:endParaRPr lang="zh-CN" altLang="en-US"/>
           </a:p>
@@ -759,7 +764,7 @@
           <a:p>
             <a:fld id="{69D71EF5-8E3D-4DAC-9D4F-EE4C2F383964}" type="datetimeFigureOut">
               <a:rPr lang="zh-CN" altLang="en-US" smtClean="0"/>
-              <a:t>2020/8/10 Monday</a:t>
+              <a:t>2020/8/11 Tuesday</a:t>
             </a:fld>
             <a:endParaRPr lang="zh-CN" altLang="en-US"/>
           </a:p>
@@ -1005,7 +1010,7 @@
           <a:p>
             <a:fld id="{69D71EF5-8E3D-4DAC-9D4F-EE4C2F383964}" type="datetimeFigureOut">
               <a:rPr lang="zh-CN" altLang="en-US" smtClean="0"/>
-              <a:t>2020/8/10 Monday</a:t>
+              <a:t>2020/8/11 Tuesday</a:t>
             </a:fld>
             <a:endParaRPr lang="zh-CN" altLang="en-US"/>
           </a:p>
@@ -1237,7 +1242,7 @@
           <a:p>
             <a:fld id="{69D71EF5-8E3D-4DAC-9D4F-EE4C2F383964}" type="datetimeFigureOut">
               <a:rPr lang="zh-CN" altLang="en-US" smtClean="0"/>
-              <a:t>2020/8/10 Monday</a:t>
+              <a:t>2020/8/11 Tuesday</a:t>
             </a:fld>
             <a:endParaRPr lang="zh-CN" altLang="en-US"/>
           </a:p>
@@ -1604,7 +1609,7 @@
           <a:p>
             <a:fld id="{69D71EF5-8E3D-4DAC-9D4F-EE4C2F383964}" type="datetimeFigureOut">
               <a:rPr lang="zh-CN" altLang="en-US" smtClean="0"/>
-              <a:t>2020/8/10 Monday</a:t>
+              <a:t>2020/8/11 Tuesday</a:t>
             </a:fld>
             <a:endParaRPr lang="zh-CN" altLang="en-US"/>
           </a:p>
@@ -1722,7 +1727,7 @@
           <a:p>
             <a:fld id="{69D71EF5-8E3D-4DAC-9D4F-EE4C2F383964}" type="datetimeFigureOut">
               <a:rPr lang="zh-CN" altLang="en-US" smtClean="0"/>
-              <a:t>2020/8/10 Monday</a:t>
+              <a:t>2020/8/11 Tuesday</a:t>
             </a:fld>
             <a:endParaRPr lang="zh-CN" altLang="en-US"/>
           </a:p>
@@ -1817,7 +1822,7 @@
           <a:p>
             <a:fld id="{69D71EF5-8E3D-4DAC-9D4F-EE4C2F383964}" type="datetimeFigureOut">
               <a:rPr lang="zh-CN" altLang="en-US" smtClean="0"/>
-              <a:t>2020/8/10 Monday</a:t>
+              <a:t>2020/8/11 Tuesday</a:t>
             </a:fld>
             <a:endParaRPr lang="zh-CN" altLang="en-US"/>
           </a:p>
@@ -2094,7 +2099,7 @@
           <a:p>
             <a:fld id="{69D71EF5-8E3D-4DAC-9D4F-EE4C2F383964}" type="datetimeFigureOut">
               <a:rPr lang="zh-CN" altLang="en-US" smtClean="0"/>
-              <a:t>2020/8/10 Monday</a:t>
+              <a:t>2020/8/11 Tuesday</a:t>
             </a:fld>
             <a:endParaRPr lang="zh-CN" altLang="en-US"/>
           </a:p>
@@ -2347,7 +2352,7 @@
           <a:p>
             <a:fld id="{69D71EF5-8E3D-4DAC-9D4F-EE4C2F383964}" type="datetimeFigureOut">
               <a:rPr lang="zh-CN" altLang="en-US" smtClean="0"/>
-              <a:t>2020/8/10 Monday</a:t>
+              <a:t>2020/8/11 Tuesday</a:t>
             </a:fld>
             <a:endParaRPr lang="zh-CN" altLang="en-US"/>
           </a:p>
@@ -2560,7 +2565,7 @@
           <a:p>
             <a:fld id="{69D71EF5-8E3D-4DAC-9D4F-EE4C2F383964}" type="datetimeFigureOut">
               <a:rPr lang="zh-CN" altLang="en-US" smtClean="0"/>
-              <a:t>2020/8/10 Monday</a:t>
+              <a:t>2020/8/11 Tuesday</a:t>
             </a:fld>
             <a:endParaRPr lang="zh-CN" altLang="en-US"/>
           </a:p>
@@ -3849,8 +3854,8 @@
           </a:fontRef>
         </p:style>
       </p:cxnSp>
-      <mc:AlternateContent xmlns:mc="http://schemas.openxmlformats.org/markup-compatibility/2006">
-        <mc:Choice xmlns:a14="http://schemas.microsoft.com/office/drawing/2010/main" Requires="a14">
+      <mc:AlternateContent xmlns:mc="http://schemas.openxmlformats.org/markup-compatibility/2006" xmlns:a14="http://schemas.microsoft.com/office/drawing/2010/main">
+        <mc:Choice Requires="a14">
           <p:sp>
             <p:nvSpPr>
               <p:cNvPr id="78" name="文本框 77"/>
@@ -3873,6 +3878,7 @@
               </a:bodyPr>
               <a:lstStyle/>
               <a:p>
+                <a:pPr/>
                 <a14:m>
                   <m:oMathPara xmlns:m="http://schemas.openxmlformats.org/officeDocument/2006/math">
                     <m:oMathParaPr>
@@ -3972,7 +3978,7 @@
             </p:txBody>
           </p:sp>
         </mc:Choice>
-        <mc:Fallback>
+        <mc:Fallback xmlns="">
           <p:sp>
             <p:nvSpPr>
               <p:cNvPr id="78" name="文本框 77"/>
@@ -4047,8 +4053,8 @@
           </a:p>
         </p:txBody>
       </p:sp>
-      <mc:AlternateContent xmlns:mc="http://schemas.openxmlformats.org/markup-compatibility/2006">
-        <mc:Choice xmlns:a14="http://schemas.microsoft.com/office/drawing/2010/main" Requires="a14">
+      <mc:AlternateContent xmlns:mc="http://schemas.openxmlformats.org/markup-compatibility/2006" xmlns:a14="http://schemas.microsoft.com/office/drawing/2010/main">
+        <mc:Choice Requires="a14">
           <p:sp>
             <p:nvSpPr>
               <p:cNvPr id="80" name="文本框 79"/>
@@ -4071,6 +4077,7 @@
               </a:bodyPr>
               <a:lstStyle/>
               <a:p>
+                <a:pPr/>
                 <a14:m>
                   <m:oMathPara xmlns:m="http://schemas.openxmlformats.org/officeDocument/2006/math">
                     <m:oMathParaPr>
@@ -4106,13 +4113,7 @@
                         <a:rPr lang="en-US" altLang="zh-CN" b="0" i="1" smtClean="0">
                           <a:latin typeface="Cambria Math" panose="02040503050406030204" pitchFamily="18" charset="0"/>
                         </a:rPr>
-                        <m:t>&gt;</m:t>
-                      </m:r>
-                      <m:r>
-                        <a:rPr lang="en-US" altLang="zh-CN" b="0" i="1" smtClean="0">
-                          <a:latin typeface="Cambria Math" panose="02040503050406030204" pitchFamily="18" charset="0"/>
-                        </a:rPr>
-                        <m:t>0</m:t>
+                        <m:t>&gt;0</m:t>
                       </m:r>
                     </m:oMath>
                   </m:oMathPara>
@@ -4122,7 +4123,7 @@
             </p:txBody>
           </p:sp>
         </mc:Choice>
-        <mc:Fallback>
+        <mc:Fallback xmlns="">
           <p:sp>
             <p:nvSpPr>
               <p:cNvPr id="80" name="文本框 79"/>
@@ -4241,8 +4242,8 @@
           </a:fontRef>
         </p:style>
       </p:cxnSp>
-      <mc:AlternateContent xmlns:mc="http://schemas.openxmlformats.org/markup-compatibility/2006">
-        <mc:Choice xmlns:a14="http://schemas.microsoft.com/office/drawing/2010/main" Requires="a14">
+      <mc:AlternateContent xmlns:mc="http://schemas.openxmlformats.org/markup-compatibility/2006" xmlns:a14="http://schemas.microsoft.com/office/drawing/2010/main">
+        <mc:Choice Requires="a14">
           <p:sp>
             <p:nvSpPr>
               <p:cNvPr id="91" name="文本框 90"/>
@@ -4265,6 +4266,7 @@
               </a:bodyPr>
               <a:lstStyle/>
               <a:p>
+                <a:pPr/>
                 <a14:m>
                   <m:oMathPara xmlns:m="http://schemas.openxmlformats.org/officeDocument/2006/math">
                     <m:oMathParaPr>
@@ -4364,7 +4366,7 @@
             </p:txBody>
           </p:sp>
         </mc:Choice>
-        <mc:Fallback>
+        <mc:Fallback xmlns="">
           <p:sp>
             <p:nvSpPr>
               <p:cNvPr id="91" name="文本框 90"/>
@@ -4439,8 +4441,8 @@
           </a:p>
         </p:txBody>
       </p:sp>
-      <mc:AlternateContent xmlns:mc="http://schemas.openxmlformats.org/markup-compatibility/2006">
-        <mc:Choice xmlns:a14="http://schemas.microsoft.com/office/drawing/2010/main" Requires="a14">
+      <mc:AlternateContent xmlns:mc="http://schemas.openxmlformats.org/markup-compatibility/2006" xmlns:a14="http://schemas.microsoft.com/office/drawing/2010/main">
+        <mc:Choice Requires="a14">
           <p:sp>
             <p:nvSpPr>
               <p:cNvPr id="93" name="文本框 92"/>
@@ -4463,6 +4465,7 @@
               </a:bodyPr>
               <a:lstStyle/>
               <a:p>
+                <a:pPr/>
                 <a14:m>
                   <m:oMathPara xmlns:m="http://schemas.openxmlformats.org/officeDocument/2006/math">
                     <m:oMathParaPr>
@@ -4498,13 +4501,7 @@
                         <a:rPr lang="en-US" altLang="zh-CN" b="0" i="1" smtClean="0">
                           <a:latin typeface="Cambria Math" panose="02040503050406030204" pitchFamily="18" charset="0"/>
                         </a:rPr>
-                        <m:t>=</m:t>
-                      </m:r>
-                      <m:r>
-                        <a:rPr lang="en-US" altLang="zh-CN" b="0" i="1" smtClean="0">
-                          <a:latin typeface="Cambria Math" panose="02040503050406030204" pitchFamily="18" charset="0"/>
-                        </a:rPr>
-                        <m:t>0</m:t>
+                        <m:t>=0</m:t>
                       </m:r>
                     </m:oMath>
                   </m:oMathPara>
@@ -4514,7 +4511,7 @@
             </p:txBody>
           </p:sp>
         </mc:Choice>
-        <mc:Fallback>
+        <mc:Fallback xmlns="">
           <p:sp>
             <p:nvSpPr>
               <p:cNvPr id="93" name="文本框 92"/>
@@ -4590,8 +4587,8 @@
           </a:fontRef>
         </p:style>
       </p:cxnSp>
-      <mc:AlternateContent xmlns:mc="http://schemas.openxmlformats.org/markup-compatibility/2006">
-        <mc:Choice xmlns:a14="http://schemas.microsoft.com/office/drawing/2010/main" Requires="a14">
+      <mc:AlternateContent xmlns:mc="http://schemas.openxmlformats.org/markup-compatibility/2006" xmlns:a14="http://schemas.microsoft.com/office/drawing/2010/main">
+        <mc:Choice Requires="a14">
           <p:sp>
             <p:nvSpPr>
               <p:cNvPr id="98" name="文本框 97"/>
@@ -4683,7 +4680,7 @@
             </p:txBody>
           </p:sp>
         </mc:Choice>
-        <mc:Fallback>
+        <mc:Fallback xmlns="">
           <p:sp>
             <p:nvSpPr>
               <p:cNvPr id="98" name="文本框 97"/>
@@ -4722,8 +4719,8 @@
           </p:sp>
         </mc:Fallback>
       </mc:AlternateContent>
-      <mc:AlternateContent xmlns:mc="http://schemas.openxmlformats.org/markup-compatibility/2006">
-        <mc:Choice xmlns:a14="http://schemas.microsoft.com/office/drawing/2010/main" Requires="a14">
+      <mc:AlternateContent xmlns:mc="http://schemas.openxmlformats.org/markup-compatibility/2006" xmlns:a14="http://schemas.microsoft.com/office/drawing/2010/main">
+        <mc:Choice Requires="a14">
           <p:sp>
             <p:nvSpPr>
               <p:cNvPr id="107" name="矩形 106"/>
@@ -4787,13 +4784,7 @@
                         <a:rPr lang="en-US" altLang="zh-CN" b="0" i="1" smtClean="0">
                           <a:latin typeface="Cambria Math" panose="02040503050406030204" pitchFamily="18" charset="0"/>
                         </a:rPr>
-                        <m:t>𝑤</m:t>
-                      </m:r>
-                      <m:r>
-                        <a:rPr lang="en-US" altLang="zh-CN" b="0" i="1" smtClean="0">
-                          <a:latin typeface="Cambria Math" panose="02040503050406030204" pitchFamily="18" charset="0"/>
-                        </a:rPr>
-                        <m:t>𝑥</m:t>
+                        <m:t>𝑤𝑥</m:t>
                       </m:r>
                       <m:r>
                         <a:rPr lang="en-US" altLang="zh-CN" b="0" i="1" smtClean="0">
@@ -4821,7 +4812,7 @@
             </p:txBody>
           </p:sp>
         </mc:Choice>
-        <mc:Fallback>
+        <mc:Fallback xmlns="">
           <p:sp>
             <p:nvSpPr>
               <p:cNvPr id="107" name="矩形 106"/>
@@ -4860,8 +4851,8 @@
           </p:sp>
         </mc:Fallback>
       </mc:AlternateContent>
-      <mc:AlternateContent xmlns:mc="http://schemas.openxmlformats.org/markup-compatibility/2006">
-        <mc:Choice xmlns:a14="http://schemas.microsoft.com/office/drawing/2010/main" Requires="a14">
+      <mc:AlternateContent xmlns:mc="http://schemas.openxmlformats.org/markup-compatibility/2006" xmlns:a14="http://schemas.microsoft.com/office/drawing/2010/main">
+        <mc:Choice Requires="a14">
           <p:sp>
             <p:nvSpPr>
               <p:cNvPr id="108" name="矩形 107"/>
@@ -4925,13 +4916,7 @@
                         <a:rPr lang="en-US" altLang="zh-CN" b="0" i="1" smtClean="0">
                           <a:latin typeface="Cambria Math" panose="02040503050406030204" pitchFamily="18" charset="0"/>
                         </a:rPr>
-                        <m:t>𝑤</m:t>
-                      </m:r>
-                      <m:r>
-                        <a:rPr lang="en-US" altLang="zh-CN" b="0" i="1" smtClean="0">
-                          <a:latin typeface="Cambria Math" panose="02040503050406030204" pitchFamily="18" charset="0"/>
-                        </a:rPr>
-                        <m:t>𝑥</m:t>
+                        <m:t>𝑤𝑥</m:t>
                       </m:r>
                       <m:r>
                         <a:rPr lang="en-US" altLang="zh-CN" b="0" i="1" smtClean="0">
@@ -4959,7 +4944,7 @@
             </p:txBody>
           </p:sp>
         </mc:Choice>
-        <mc:Fallback>
+        <mc:Fallback xmlns="">
           <p:sp>
             <p:nvSpPr>
               <p:cNvPr id="108" name="矩形 107"/>
@@ -5860,8 +5845,8 @@
           </a:fontRef>
         </p:style>
       </p:cxnSp>
-      <mc:AlternateContent xmlns:mc="http://schemas.openxmlformats.org/markup-compatibility/2006">
-        <mc:Choice xmlns:a14="http://schemas.microsoft.com/office/drawing/2010/main" Requires="a14">
+      <mc:AlternateContent xmlns:mc="http://schemas.openxmlformats.org/markup-compatibility/2006" xmlns:a14="http://schemas.microsoft.com/office/drawing/2010/main">
+        <mc:Choice Requires="a14">
           <p:sp>
             <p:nvSpPr>
               <p:cNvPr id="91" name="文本框 90"/>
@@ -5884,6 +5869,7 @@
               </a:bodyPr>
               <a:lstStyle/>
               <a:p>
+                <a:pPr/>
                 <a14:m>
                   <m:oMathPara xmlns:m="http://schemas.openxmlformats.org/officeDocument/2006/math">
                     <m:oMathParaPr>
@@ -5991,7 +5977,7 @@
             </p:txBody>
           </p:sp>
         </mc:Choice>
-        <mc:Fallback>
+        <mc:Fallback xmlns="">
           <p:sp>
             <p:nvSpPr>
               <p:cNvPr id="91" name="文本框 90"/>
@@ -6066,8 +6052,8 @@
           </a:p>
         </p:txBody>
       </p:sp>
-      <mc:AlternateContent xmlns:mc="http://schemas.openxmlformats.org/markup-compatibility/2006">
-        <mc:Choice xmlns:a14="http://schemas.microsoft.com/office/drawing/2010/main" Requires="a14">
+      <mc:AlternateContent xmlns:mc="http://schemas.openxmlformats.org/markup-compatibility/2006" xmlns:a14="http://schemas.microsoft.com/office/drawing/2010/main">
+        <mc:Choice Requires="a14">
           <p:sp>
             <p:nvSpPr>
               <p:cNvPr id="93" name="文本框 92"/>
@@ -6090,6 +6076,7 @@
               </a:bodyPr>
               <a:lstStyle/>
               <a:p>
+                <a:pPr/>
                 <a14:m>
                   <m:oMathPara xmlns:m="http://schemas.openxmlformats.org/officeDocument/2006/math">
                     <m:oMathParaPr>
@@ -6125,13 +6112,7 @@
                         <a:rPr lang="en-US" altLang="zh-CN" b="0" i="1" smtClean="0">
                           <a:latin typeface="Cambria Math" panose="02040503050406030204" pitchFamily="18" charset="0"/>
                         </a:rPr>
-                        <m:t>=</m:t>
-                      </m:r>
-                      <m:r>
-                        <a:rPr lang="en-US" altLang="zh-CN" b="0" i="1" smtClean="0">
-                          <a:latin typeface="Cambria Math" panose="02040503050406030204" pitchFamily="18" charset="0"/>
-                        </a:rPr>
-                        <m:t>0,</m:t>
+                        <m:t>=0,</m:t>
                       </m:r>
                       <m:sSub>
                         <m:sSubPr>
@@ -6162,13 +6143,7 @@
                         <a:rPr lang="en-US" altLang="zh-CN" b="0" i="1" smtClean="0">
                           <a:latin typeface="Cambria Math" panose="02040503050406030204" pitchFamily="18" charset="0"/>
                         </a:rPr>
-                        <m:t>=</m:t>
-                      </m:r>
-                      <m:r>
-                        <a:rPr lang="en-US" altLang="zh-CN" b="0" i="1" smtClean="0">
-                          <a:latin typeface="Cambria Math" panose="02040503050406030204" pitchFamily="18" charset="0"/>
-                        </a:rPr>
-                        <m:t>0</m:t>
+                        <m:t>=0</m:t>
                       </m:r>
                     </m:oMath>
                   </m:oMathPara>
@@ -6178,7 +6153,7 @@
             </p:txBody>
           </p:sp>
         </mc:Choice>
-        <mc:Fallback>
+        <mc:Fallback xmlns="">
           <p:sp>
             <p:nvSpPr>
               <p:cNvPr id="93" name="文本框 92"/>
@@ -6311,8 +6286,8 @@
           </a:p>
         </p:txBody>
       </p:sp>
-      <mc:AlternateContent xmlns:mc="http://schemas.openxmlformats.org/markup-compatibility/2006">
-        <mc:Choice xmlns:a14="http://schemas.microsoft.com/office/drawing/2010/main" Requires="a14">
+      <mc:AlternateContent xmlns:mc="http://schemas.openxmlformats.org/markup-compatibility/2006" xmlns:a14="http://schemas.microsoft.com/office/drawing/2010/main">
+        <mc:Choice Requires="a14">
           <p:sp>
             <p:nvSpPr>
               <p:cNvPr id="35" name="文本框 34"/>
@@ -6335,6 +6310,7 @@
               </a:bodyPr>
               <a:lstStyle/>
               <a:p>
+                <a:pPr/>
                 <a14:m>
                   <m:oMathPara xmlns:m="http://schemas.openxmlformats.org/officeDocument/2006/math">
                     <m:oMathParaPr>
@@ -6442,7 +6418,7 @@
             </p:txBody>
           </p:sp>
         </mc:Choice>
-        <mc:Fallback>
+        <mc:Fallback xmlns="">
           <p:sp>
             <p:nvSpPr>
               <p:cNvPr id="35" name="文本框 34"/>
@@ -6528,7 +6504,7 @@
             <p:spPr>
               <a:xfrm>
                 <a:off x="8106776" y="1662059"/>
-                <a:ext cx="1879745" cy="276999"/>
+                <a:ext cx="1450141" cy="276999"/>
               </a:xfrm>
               <a:prstGeom prst="rect">
                 <a:avLst/>
@@ -6541,6 +6517,7 @@
               </a:bodyPr>
               <a:lstStyle/>
               <a:p>
+                <a:pPr/>
                 <a14:m>
                   <m:oMathPara xmlns:m="http://schemas.openxmlformats.org/officeDocument/2006/math">
                     <m:oMathParaPr>
@@ -6560,12 +6537,6 @@
                             <a:rPr lang="en-US" altLang="zh-CN" b="0" i="1" smtClean="0">
                               <a:latin typeface="Cambria Math" panose="02040503050406030204" pitchFamily="18" charset="0"/>
                             </a:rPr>
-                            <m:t>0&lt;</m:t>
-                          </m:r>
-                          <m:r>
-                            <a:rPr lang="en-US" altLang="zh-CN" b="0" i="1" smtClean="0">
-                              <a:latin typeface="Cambria Math" panose="02040503050406030204" pitchFamily="18" charset="0"/>
-                            </a:rPr>
                             <m:t>𝑎</m:t>
                           </m:r>
                         </m:e>
@@ -6582,7 +6553,7 @@
                         <a:rPr lang="en-US" altLang="zh-CN" b="0" i="1" smtClean="0">
                           <a:latin typeface="Cambria Math" panose="02040503050406030204" pitchFamily="18" charset="0"/>
                         </a:rPr>
-                        <m:t>&lt;</m:t>
+                        <m:t>=</m:t>
                       </m:r>
                       <m:r>
                         <a:rPr lang="en-US" altLang="zh-CN" b="0" i="1" smtClean="0">
@@ -6647,7 +6618,7 @@
             <p:spPr>
               <a:xfrm>
                 <a:off x="8106776" y="1662059"/>
-                <a:ext cx="1879745" cy="276999"/>
+                <a:ext cx="1450141" cy="276999"/>
               </a:xfrm>
               <a:prstGeom prst="rect">
                 <a:avLst/>
@@ -6655,7 +6626,7 @@
               <a:blipFill rotWithShape="0">
                 <a:blip r:embed="rId5"/>
                 <a:stretch>
-                  <a:fillRect l="-2597" t="-4444" r="-2597" b="-35556"/>
+                  <a:fillRect l="-2101" t="-4444" r="-3361" b="-35556"/>
                 </a:stretch>
               </a:blipFill>
             </p:spPr>
@@ -6854,8 +6825,8 @@
           </a:p>
         </p:txBody>
       </p:sp>
-      <mc:AlternateContent xmlns:mc="http://schemas.openxmlformats.org/markup-compatibility/2006">
-        <mc:Choice xmlns:a14="http://schemas.microsoft.com/office/drawing/2010/main" Requires="a14">
+      <mc:AlternateContent xmlns:mc="http://schemas.openxmlformats.org/markup-compatibility/2006" xmlns:a14="http://schemas.microsoft.com/office/drawing/2010/main">
+        <mc:Choice Requires="a14">
           <p:sp>
             <p:nvSpPr>
               <p:cNvPr id="75" name="文本框 74"/>
@@ -6992,7 +6963,7 @@
             </p:txBody>
           </p:sp>
         </mc:Choice>
-        <mc:Fallback>
+        <mc:Fallback xmlns="">
           <p:sp>
             <p:nvSpPr>
               <p:cNvPr id="75" name="文本框 74"/>
@@ -7078,7 +7049,7 @@
             <p:spPr>
               <a:xfrm>
                 <a:off x="8188669" y="3030513"/>
-                <a:ext cx="1450141" cy="276999"/>
+                <a:ext cx="1828449" cy="276999"/>
               </a:xfrm>
               <a:prstGeom prst="rect">
                 <a:avLst/>
@@ -7091,6 +7062,7 @@
               </a:bodyPr>
               <a:lstStyle/>
               <a:p>
+                <a:pPr/>
                 <a14:m>
                   <m:oMathPara xmlns:m="http://schemas.openxmlformats.org/officeDocument/2006/math">
                     <m:oMathParaPr>
@@ -7100,14 +7072,20 @@
                       <m:sSub>
                         <m:sSubPr>
                           <m:ctrlPr>
-                            <a:rPr lang="en-US" altLang="zh-CN" i="1" smtClean="0">
+                            <a:rPr lang="en-US" altLang="zh-CN" i="1">
                               <a:latin typeface="Cambria Math" panose="02040503050406030204" pitchFamily="18" charset="0"/>
                             </a:rPr>
                           </m:ctrlPr>
                         </m:sSubPr>
                         <m:e>
                           <m:r>
-                            <a:rPr lang="en-US" altLang="zh-CN" b="0" i="1" smtClean="0">
+                            <a:rPr lang="en-US" altLang="zh-CN" i="1">
+                              <a:latin typeface="Cambria Math" panose="02040503050406030204" pitchFamily="18" charset="0"/>
+                            </a:rPr>
+                            <m:t>0&lt;</m:t>
+                          </m:r>
+                          <m:r>
+                            <a:rPr lang="en-US" altLang="zh-CN" i="1">
                               <a:latin typeface="Cambria Math" panose="02040503050406030204" pitchFamily="18" charset="0"/>
                             </a:rPr>
                             <m:t>𝑎</m:t>
@@ -7115,7 +7093,7 @@
                         </m:e>
                         <m:sub>
                           <m:r>
-                            <a:rPr lang="en-US" altLang="zh-CN" b="0" i="1" smtClean="0">
+                            <a:rPr lang="en-US" altLang="zh-CN" i="1">
                               <a:latin typeface="Cambria Math" panose="02040503050406030204" pitchFamily="18" charset="0"/>
                             </a:rPr>
                             <m:t>𝑖</m:t>
@@ -7123,22 +7101,22 @@
                         </m:sub>
                       </m:sSub>
                       <m:r>
-                        <a:rPr lang="en-US" altLang="zh-CN" b="0" i="1" smtClean="0">
+                        <a:rPr lang="en-US" altLang="zh-CN" i="1">
                           <a:latin typeface="Cambria Math" panose="02040503050406030204" pitchFamily="18" charset="0"/>
                         </a:rPr>
-                        <m:t>=</m:t>
+                        <m:t>&lt;</m:t>
                       </m:r>
                       <m:r>
-                        <a:rPr lang="en-US" altLang="zh-CN" b="0" i="1" smtClean="0">
+                        <a:rPr lang="en-US" altLang="zh-CN" i="1">
                           <a:latin typeface="Cambria Math" panose="02040503050406030204" pitchFamily="18" charset="0"/>
                         </a:rPr>
                         <m:t>𝐶</m:t>
                       </m:r>
                       <m:r>
-                        <a:rPr lang="en-US" altLang="zh-CN" b="0" i="1" smtClean="0">
+                        <a:rPr lang="en-US" altLang="zh-CN" i="1">
                           <a:latin typeface="Cambria Math" panose="02040503050406030204" pitchFamily="18" charset="0"/>
                         </a:rPr>
-                        <m:t> ,</m:t>
+                        <m:t>,</m:t>
                       </m:r>
                       <m:sSub>
                         <m:sSubPr>
@@ -7191,7 +7169,7 @@
             <p:spPr>
               <a:xfrm>
                 <a:off x="8188669" y="3030513"/>
-                <a:ext cx="1450141" cy="276999"/>
+                <a:ext cx="1828449" cy="276999"/>
               </a:xfrm>
               <a:prstGeom prst="rect">
                 <a:avLst/>
@@ -7199,7 +7177,7 @@
               <a:blipFill rotWithShape="0">
                 <a:blip r:embed="rId7"/>
                 <a:stretch>
-                  <a:fillRect l="-2101" t="-2174" r="-3782" b="-32609"/>
+                  <a:fillRect l="-2333" t="-2174" r="-2667" b="-32609"/>
                 </a:stretch>
               </a:blipFill>
             </p:spPr>
@@ -7306,8 +7284,8 @@
           </a:p>
         </p:txBody>
       </p:sp>
-      <mc:AlternateContent xmlns:mc="http://schemas.openxmlformats.org/markup-compatibility/2006">
-        <mc:Choice xmlns:a14="http://schemas.microsoft.com/office/drawing/2010/main" Requires="a14">
+      <mc:AlternateContent xmlns:mc="http://schemas.openxmlformats.org/markup-compatibility/2006" xmlns:a14="http://schemas.microsoft.com/office/drawing/2010/main">
+        <mc:Choice Requires="a14">
           <p:sp>
             <p:nvSpPr>
               <p:cNvPr id="94" name="文本框 93"/>
@@ -7330,6 +7308,7 @@
               </a:bodyPr>
               <a:lstStyle/>
               <a:p>
+                <a:pPr/>
                 <a14:m>
                   <m:oMathPara xmlns:m="http://schemas.openxmlformats.org/officeDocument/2006/math">
                     <m:oMathParaPr>
@@ -7468,7 +7447,7 @@
             </p:txBody>
           </p:sp>
         </mc:Choice>
-        <mc:Fallback>
+        <mc:Fallback xmlns="">
           <p:sp>
             <p:nvSpPr>
               <p:cNvPr id="94" name="文本框 93"/>
@@ -7554,7 +7533,7 @@
             <p:spPr>
               <a:xfrm>
                 <a:off x="7865788" y="4389808"/>
-                <a:ext cx="1450141" cy="276999"/>
+                <a:ext cx="1828449" cy="276999"/>
               </a:xfrm>
               <a:prstGeom prst="rect">
                 <a:avLst/>
@@ -7567,6 +7546,7 @@
               </a:bodyPr>
               <a:lstStyle/>
               <a:p>
+                <a:pPr/>
                 <a14:m>
                   <m:oMathPara xmlns:m="http://schemas.openxmlformats.org/officeDocument/2006/math">
                     <m:oMathParaPr>
@@ -7576,14 +7556,20 @@
                       <m:sSub>
                         <m:sSubPr>
                           <m:ctrlPr>
-                            <a:rPr lang="en-US" altLang="zh-CN" i="1" smtClean="0">
+                            <a:rPr lang="en-US" altLang="zh-CN" i="1">
                               <a:latin typeface="Cambria Math" panose="02040503050406030204" pitchFamily="18" charset="0"/>
                             </a:rPr>
                           </m:ctrlPr>
                         </m:sSubPr>
                         <m:e>
                           <m:r>
-                            <a:rPr lang="en-US" altLang="zh-CN" b="0" i="1" smtClean="0">
+                            <a:rPr lang="en-US" altLang="zh-CN" i="1">
+                              <a:latin typeface="Cambria Math" panose="02040503050406030204" pitchFamily="18" charset="0"/>
+                            </a:rPr>
+                            <m:t>0&lt;</m:t>
+                          </m:r>
+                          <m:r>
+                            <a:rPr lang="en-US" altLang="zh-CN" i="1">
                               <a:latin typeface="Cambria Math" panose="02040503050406030204" pitchFamily="18" charset="0"/>
                             </a:rPr>
                             <m:t>𝑎</m:t>
@@ -7591,7 +7577,7 @@
                         </m:e>
                         <m:sub>
                           <m:r>
-                            <a:rPr lang="en-US" altLang="zh-CN" b="0" i="1" smtClean="0">
+                            <a:rPr lang="en-US" altLang="zh-CN" i="1">
                               <a:latin typeface="Cambria Math" panose="02040503050406030204" pitchFamily="18" charset="0"/>
                             </a:rPr>
                             <m:t>𝑖</m:t>
@@ -7599,22 +7585,22 @@
                         </m:sub>
                       </m:sSub>
                       <m:r>
-                        <a:rPr lang="en-US" altLang="zh-CN" b="0" i="1" smtClean="0">
+                        <a:rPr lang="en-US" altLang="zh-CN" i="1">
                           <a:latin typeface="Cambria Math" panose="02040503050406030204" pitchFamily="18" charset="0"/>
                         </a:rPr>
-                        <m:t>=</m:t>
+                        <m:t>&lt;</m:t>
                       </m:r>
                       <m:r>
-                        <a:rPr lang="en-US" altLang="zh-CN" b="0" i="1" smtClean="0">
+                        <a:rPr lang="en-US" altLang="zh-CN" i="1">
                           <a:latin typeface="Cambria Math" panose="02040503050406030204" pitchFamily="18" charset="0"/>
                         </a:rPr>
                         <m:t>𝐶</m:t>
                       </m:r>
                       <m:r>
-                        <a:rPr lang="en-US" altLang="zh-CN" b="0" i="1" smtClean="0">
+                        <a:rPr lang="en-US" altLang="zh-CN" i="1">
                           <a:latin typeface="Cambria Math" panose="02040503050406030204" pitchFamily="18" charset="0"/>
                         </a:rPr>
-                        <m:t> ,</m:t>
+                        <m:t>,</m:t>
                       </m:r>
                       <m:sSub>
                         <m:sSubPr>
@@ -7667,7 +7653,7 @@
             <p:spPr>
               <a:xfrm>
                 <a:off x="7865788" y="4389808"/>
-                <a:ext cx="1450141" cy="276999"/>
+                <a:ext cx="1828449" cy="276999"/>
               </a:xfrm>
               <a:prstGeom prst="rect">
                 <a:avLst/>
@@ -7675,7 +7661,7 @@
               <a:blipFill rotWithShape="0">
                 <a:blip r:embed="rId9"/>
                 <a:stretch>
-                  <a:fillRect l="-2101" t="-2174" r="-3782" b="-32609"/>
+                  <a:fillRect l="-2333" t="-2174" r="-2667" b="-32609"/>
                 </a:stretch>
               </a:blipFill>
             </p:spPr>
@@ -7864,7 +7850,7 @@
             </p:nvSpPr>
             <p:spPr>
               <a:xfrm>
-                <a:off x="1115327" y="3023563"/>
+                <a:off x="1065238" y="3179191"/>
                 <a:ext cx="2610907" cy="312650"/>
               </a:xfrm>
               <a:prstGeom prst="rect">
@@ -8028,7 +8014,7 @@
             </p:nvSpPr>
             <p:spPr>
               <a:xfrm>
-                <a:off x="1115327" y="3023563"/>
+                <a:off x="1065238" y="3179191"/>
                 <a:ext cx="2610907" cy="312650"/>
               </a:xfrm>
               <a:prstGeom prst="rect">
@@ -8064,7 +8050,7 @@
         </p:nvSpPr>
         <p:spPr>
           <a:xfrm>
-            <a:off x="1045577" y="2715786"/>
+            <a:off x="995488" y="2871414"/>
             <a:ext cx="2026067" cy="307777"/>
           </a:xfrm>
           <a:prstGeom prst="rect">
@@ -8102,8 +8088,8 @@
             </p:nvSpPr>
             <p:spPr>
               <a:xfrm>
-                <a:off x="1116341" y="3433534"/>
-                <a:ext cx="1794672" cy="276999"/>
+                <a:off x="1066251" y="3589162"/>
+                <a:ext cx="2467039" cy="276999"/>
               </a:xfrm>
               <a:prstGeom prst="rect">
                 <a:avLst/>
@@ -8116,23 +8102,30 @@
               </a:bodyPr>
               <a:lstStyle/>
               <a:p>
+                <a:pPr/>
                 <a14:m>
                   <m:oMathPara xmlns:m="http://schemas.openxmlformats.org/officeDocument/2006/math">
                     <m:oMathParaPr>
-                      <m:jc m:val="centerGroup"/>
+                      <m:jc m:val="left"/>
                     </m:oMathParaPr>
                     <m:oMath xmlns:m="http://schemas.openxmlformats.org/officeDocument/2006/math">
                       <m:sSub>
                         <m:sSubPr>
                           <m:ctrlPr>
-                            <a:rPr lang="en-US" altLang="zh-CN" i="1" smtClean="0">
+                            <a:rPr lang="en-US" altLang="zh-CN" i="1">
                               <a:latin typeface="Cambria Math" panose="02040503050406030204" pitchFamily="18" charset="0"/>
                             </a:rPr>
                           </m:ctrlPr>
                         </m:sSubPr>
                         <m:e>
                           <m:r>
-                            <a:rPr lang="en-US" altLang="zh-CN" b="0" i="1" smtClean="0">
+                            <a:rPr lang="en-US" altLang="zh-CN" i="1">
+                              <a:latin typeface="Cambria Math" panose="02040503050406030204" pitchFamily="18" charset="0"/>
+                            </a:rPr>
+                            <m:t>0&lt;</m:t>
+                          </m:r>
+                          <m:r>
+                            <a:rPr lang="en-US" altLang="zh-CN" i="1">
                               <a:latin typeface="Cambria Math" panose="02040503050406030204" pitchFamily="18" charset="0"/>
                             </a:rPr>
                             <m:t>𝑎</m:t>
@@ -8140,7 +8133,7 @@
                         </m:e>
                         <m:sub>
                           <m:r>
-                            <a:rPr lang="en-US" altLang="zh-CN" b="0" i="1" smtClean="0">
+                            <a:rPr lang="en-US" altLang="zh-CN" i="1">
                               <a:latin typeface="Cambria Math" panose="02040503050406030204" pitchFamily="18" charset="0"/>
                             </a:rPr>
                             <m:t>𝑖</m:t>
@@ -8148,19 +8141,19 @@
                         </m:sub>
                       </m:sSub>
                       <m:r>
-                        <a:rPr lang="en-US" altLang="zh-CN" b="0" i="1" smtClean="0">
+                        <a:rPr lang="en-US" altLang="zh-CN" i="1">
                           <a:latin typeface="Cambria Math" panose="02040503050406030204" pitchFamily="18" charset="0"/>
                         </a:rPr>
-                        <m:t>=</m:t>
+                        <m:t>&lt;</m:t>
                       </m:r>
                       <m:r>
-                        <a:rPr lang="en-US" altLang="zh-CN" b="0" i="1" smtClean="0">
+                        <a:rPr lang="en-US" altLang="zh-CN" i="1">
                           <a:latin typeface="Cambria Math" panose="02040503050406030204" pitchFamily="18" charset="0"/>
                         </a:rPr>
                         <m:t>𝐶</m:t>
                       </m:r>
                       <m:r>
-                        <a:rPr lang="en-US" altLang="zh-CN" b="0" i="1" smtClean="0">
+                        <a:rPr lang="en-US" altLang="zh-CN" i="1">
                           <a:latin typeface="Cambria Math" panose="02040503050406030204" pitchFamily="18" charset="0"/>
                         </a:rPr>
                         <m:t>,0&lt;</m:t>
@@ -8215,8 +8208,8 @@
             </p:nvSpPr>
             <p:spPr>
               <a:xfrm>
-                <a:off x="1116341" y="3433534"/>
-                <a:ext cx="1794672" cy="276999"/>
+                <a:off x="1066251" y="3589162"/>
+                <a:ext cx="2467039" cy="276999"/>
               </a:xfrm>
               <a:prstGeom prst="rect">
                 <a:avLst/>
@@ -8224,7 +8217,7 @@
               <a:blipFill rotWithShape="0">
                 <a:blip r:embed="rId11"/>
                 <a:stretch>
-                  <a:fillRect l="-2373" t="-2174" r="-3729" b="-32609"/>
+                  <a:fillRect l="-3457" t="-2222" b="-35556"/>
                 </a:stretch>
               </a:blipFill>
             </p:spPr>
